--- a/but of course workshop.pptx
+++ b/but of course workshop.pptx
@@ -10,8 +10,6 @@
     <p:sldId id="258" r:id="rId4"/>
     <p:sldId id="259" r:id="rId5"/>
     <p:sldId id="260" r:id="rId6"/>
-    <p:sldId id="261" r:id="rId7"/>
-    <p:sldId id="262" r:id="rId8"/>
   </p:sldIdLst>
   <p:sldSz cx="12192000" cy="6858000"/>
   <p:notesSz cx="6858000" cy="9144000"/>
@@ -110,6 +108,11 @@
       </a:defRPr>
     </a:lvl9pPr>
   </p:defaultTextStyle>
+  <p:extLst>
+    <p:ext uri="{EFAFB233-063F-42B5-8137-9DF3F51BA10A}">
+      <p15:sldGuideLst xmlns:p15="http://schemas.microsoft.com/office/powerpoint/2012/main"/>
+    </p:ext>
+  </p:extLst>
 </p:presentation>
 </file>
 
@@ -339,7 +342,7 @@
           <a:p>
             <a:fld id="{00100821-62A1-4441-82D0-04703CF43E8A}" type="datetimeFigureOut">
               <a:rPr lang="en-US" smtClean="0"/>
-              <a:t>21-Apr-15</a:t>
+              <a:t>22-Apr-15</a:t>
             </a:fld>
             <a:endParaRPr lang="en-US"/>
           </a:p>
@@ -547,7 +550,7 @@
           <a:p>
             <a:fld id="{00100821-62A1-4441-82D0-04703CF43E8A}" type="datetimeFigureOut">
               <a:rPr lang="en-US" smtClean="0"/>
-              <a:t>21-Apr-15</a:t>
+              <a:t>22-Apr-15</a:t>
             </a:fld>
             <a:endParaRPr lang="en-US"/>
           </a:p>
@@ -803,7 +806,7 @@
           <a:p>
             <a:fld id="{00100821-62A1-4441-82D0-04703CF43E8A}" type="datetimeFigureOut">
               <a:rPr lang="en-US" smtClean="0"/>
-              <a:t>21-Apr-15</a:t>
+              <a:t>22-Apr-15</a:t>
             </a:fld>
             <a:endParaRPr lang="en-US"/>
           </a:p>
@@ -977,7 +980,7 @@
           <a:p>
             <a:fld id="{00100821-62A1-4441-82D0-04703CF43E8A}" type="datetimeFigureOut">
               <a:rPr lang="en-US" smtClean="0"/>
-              <a:t>21-Apr-15</a:t>
+              <a:t>22-Apr-15</a:t>
             </a:fld>
             <a:endParaRPr lang="en-US"/>
           </a:p>
@@ -1320,7 +1323,7 @@
           <a:p>
             <a:fld id="{00100821-62A1-4441-82D0-04703CF43E8A}" type="datetimeFigureOut">
               <a:rPr lang="en-US" smtClean="0"/>
-              <a:t>21-Apr-15</a:t>
+              <a:t>22-Apr-15</a:t>
             </a:fld>
             <a:endParaRPr lang="en-US"/>
           </a:p>
@@ -1595,7 +1598,7 @@
           <a:p>
             <a:fld id="{00100821-62A1-4441-82D0-04703CF43E8A}" type="datetimeFigureOut">
               <a:rPr lang="en-US" smtClean="0"/>
-              <a:t>21-Apr-15</a:t>
+              <a:t>22-Apr-15</a:t>
             </a:fld>
             <a:endParaRPr lang="en-US"/>
           </a:p>
@@ -1974,7 +1977,7 @@
           <a:p>
             <a:fld id="{00100821-62A1-4441-82D0-04703CF43E8A}" type="datetimeFigureOut">
               <a:rPr lang="en-US" smtClean="0"/>
-              <a:t>21-Apr-15</a:t>
+              <a:t>22-Apr-15</a:t>
             </a:fld>
             <a:endParaRPr lang="en-US"/>
           </a:p>
@@ -2092,7 +2095,7 @@
           <a:p>
             <a:fld id="{00100821-62A1-4441-82D0-04703CF43E8A}" type="datetimeFigureOut">
               <a:rPr lang="en-US" smtClean="0"/>
-              <a:t>21-Apr-15</a:t>
+              <a:t>22-Apr-15</a:t>
             </a:fld>
             <a:endParaRPr lang="en-US"/>
           </a:p>
@@ -2263,7 +2266,7 @@
           <a:p>
             <a:fld id="{00100821-62A1-4441-82D0-04703CF43E8A}" type="datetimeFigureOut">
               <a:rPr lang="en-US" smtClean="0"/>
-              <a:t>21-Apr-15</a:t>
+              <a:t>22-Apr-15</a:t>
             </a:fld>
             <a:endParaRPr lang="en-US"/>
           </a:p>
@@ -2617,7 +2620,7 @@
           <a:p>
             <a:fld id="{00100821-62A1-4441-82D0-04703CF43E8A}" type="datetimeFigureOut">
               <a:rPr lang="en-US" smtClean="0"/>
-              <a:t>21-Apr-15</a:t>
+              <a:t>22-Apr-15</a:t>
             </a:fld>
             <a:endParaRPr lang="en-US"/>
           </a:p>
@@ -2999,7 +3002,7 @@
           <a:p>
             <a:fld id="{00100821-62A1-4441-82D0-04703CF43E8A}" type="datetimeFigureOut">
               <a:rPr lang="en-US" smtClean="0"/>
-              <a:t>21-Apr-15</a:t>
+              <a:t>22-Apr-15</a:t>
             </a:fld>
             <a:endParaRPr lang="en-US"/>
           </a:p>
@@ -3286,7 +3289,7 @@
           <a:p>
             <a:fld id="{00100821-62A1-4441-82D0-04703CF43E8A}" type="datetimeFigureOut">
               <a:rPr lang="en-US" smtClean="0"/>
-              <a:t>21-Apr-15</a:t>
+              <a:t>22-Apr-15</a:t>
             </a:fld>
             <a:endParaRPr lang="en-US"/>
           </a:p>
@@ -4219,8 +4222,41 @@
             </a:r>
             <a:r>
               <a:rPr lang="en-US" dirty="0"/>
-              <a:t>a system is going to be accepted by the customer is important that the system is fully functional and with very few bugs or none if possible. It’s also important for the developer to know when a requirement is met.</a:t>
-            </a:r>
+              <a:t>a system is going to be accepted by the customer is important that the system is fully functional and with very few bugs or none if possible. It’s also important for the developer to know when a requirement is met</a:t>
+            </a:r>
+            <a:r>
+              <a:rPr lang="en-US" dirty="0" smtClean="0"/>
+              <a:t>.</a:t>
+            </a:r>
+          </a:p>
+          <a:p>
+            <a:pPr lvl="1"/>
+            <a:endParaRPr lang="en-US" dirty="0" smtClean="0"/>
+          </a:p>
+          <a:p>
+            <a:pPr lvl="1"/>
+            <a:r>
+              <a:rPr lang="en-US" dirty="0" smtClean="0"/>
+              <a:t>When the customer order exceeds stock amount, the system will notify how many products can he order and if he wants to order more, he should contact the company.</a:t>
+            </a:r>
+          </a:p>
+          <a:p>
+            <a:pPr lvl="1"/>
+            <a:endParaRPr lang="en-US" dirty="0" smtClean="0"/>
+          </a:p>
+          <a:p>
+            <a:pPr lvl="1"/>
+            <a:r>
+              <a:rPr lang="en-US" dirty="0" smtClean="0"/>
+              <a:t>When the payment is not enough to satisfy the order, the customer will receive an invoice that the order cannot be sent due to insufficient funds.</a:t>
+            </a:r>
+            <a:endParaRPr lang="en-US" dirty="0" smtClean="0"/>
+          </a:p>
+          <a:p>
+            <a:pPr marL="384048" lvl="2" indent="0">
+              <a:buNone/>
+            </a:pPr>
+            <a:endParaRPr lang="en-US" dirty="0"/>
           </a:p>
         </p:txBody>
       </p:sp>
@@ -4372,276 +4408,6 @@
     <p:extLst>
       <p:ext uri="{BB962C8B-B14F-4D97-AF65-F5344CB8AC3E}">
         <p14:creationId xmlns:p14="http://schemas.microsoft.com/office/powerpoint/2010/main" val="98276730"/>
-      </p:ext>
-    </p:extLst>
-  </p:cSld>
-  <p:clrMapOvr>
-    <a:masterClrMapping/>
-  </p:clrMapOvr>
-</p:sld>
-</file>
-
-<file path=ppt/slides/slide6.xml><?xml version="1.0" encoding="utf-8"?>
-<p:sld xmlns:a="http://schemas.openxmlformats.org/drawingml/2006/main" xmlns:r="http://schemas.openxmlformats.org/officeDocument/2006/relationships" xmlns:p="http://schemas.openxmlformats.org/presentationml/2006/main">
-  <p:cSld>
-    <p:spTree>
-      <p:nvGrpSpPr>
-        <p:cNvPr id="1" name=""/>
-        <p:cNvGrpSpPr/>
-        <p:nvPr/>
-      </p:nvGrpSpPr>
-      <p:grpSpPr>
-        <a:xfrm>
-          <a:off x="0" y="0"/>
-          <a:ext cx="0" cy="0"/>
-          <a:chOff x="0" y="0"/>
-          <a:chExt cx="0" cy="0"/>
-        </a:xfrm>
-      </p:grpSpPr>
-      <p:sp>
-        <p:nvSpPr>
-          <p:cNvPr id="2" name="Title 1"/>
-          <p:cNvSpPr>
-            <a:spLocks noGrp="1"/>
-          </p:cNvSpPr>
-          <p:nvPr>
-            <p:ph type="title"/>
-          </p:nvPr>
-        </p:nvSpPr>
-        <p:spPr/>
-        <p:txBody>
-          <a:bodyPr>
-            <a:normAutofit/>
-          </a:bodyPr>
-          <a:lstStyle/>
-          <a:p>
-            <a:r>
-              <a:rPr lang="en-US" dirty="0" smtClean="0"/>
-              <a:t>5. Proof-of-concept. Unit and integration test implementation	</a:t>
-            </a:r>
-            <a:endParaRPr lang="en-US" dirty="0"/>
-          </a:p>
-        </p:txBody>
-      </p:sp>
-      <p:sp>
-        <p:nvSpPr>
-          <p:cNvPr id="3" name="Content Placeholder 2"/>
-          <p:cNvSpPr>
-            <a:spLocks noGrp="1"/>
-          </p:cNvSpPr>
-          <p:nvPr>
-            <p:ph idx="1"/>
-          </p:nvPr>
-        </p:nvSpPr>
-        <p:spPr/>
-        <p:txBody>
-          <a:bodyPr/>
-          <a:lstStyle/>
-          <a:p>
-            <a:endParaRPr lang="en-US"/>
-          </a:p>
-        </p:txBody>
-      </p:sp>
-    </p:spTree>
-    <p:extLst>
-      <p:ext uri="{BB962C8B-B14F-4D97-AF65-F5344CB8AC3E}">
-        <p14:creationId xmlns:p14="http://schemas.microsoft.com/office/powerpoint/2010/main" val="2017390957"/>
-      </p:ext>
-    </p:extLst>
-  </p:cSld>
-  <p:clrMapOvr>
-    <a:masterClrMapping/>
-  </p:clrMapOvr>
-</p:sld>
-</file>
-
-<file path=ppt/slides/slide7.xml><?xml version="1.0" encoding="utf-8"?>
-<p:sld xmlns:a="http://schemas.openxmlformats.org/drawingml/2006/main" xmlns:r="http://schemas.openxmlformats.org/officeDocument/2006/relationships" xmlns:p="http://schemas.openxmlformats.org/presentationml/2006/main">
-  <p:cSld>
-    <p:spTree>
-      <p:nvGrpSpPr>
-        <p:cNvPr id="1" name=""/>
-        <p:cNvGrpSpPr/>
-        <p:nvPr/>
-      </p:nvGrpSpPr>
-      <p:grpSpPr>
-        <a:xfrm>
-          <a:off x="0" y="0"/>
-          <a:ext cx="0" cy="0"/>
-          <a:chOff x="0" y="0"/>
-          <a:chExt cx="0" cy="0"/>
-        </a:xfrm>
-      </p:grpSpPr>
-      <p:sp>
-        <p:nvSpPr>
-          <p:cNvPr id="2" name="Title 1"/>
-          <p:cNvSpPr>
-            <a:spLocks noGrp="1"/>
-          </p:cNvSpPr>
-          <p:nvPr>
-            <p:ph type="title"/>
-          </p:nvPr>
-        </p:nvSpPr>
-        <p:spPr/>
-        <p:txBody>
-          <a:bodyPr/>
-          <a:lstStyle/>
-          <a:p>
-            <a:r>
-              <a:rPr lang="en-US" dirty="0" smtClean="0"/>
-              <a:t>Ce </a:t>
-            </a:r>
-            <a:r>
-              <a:rPr lang="en-US" dirty="0" err="1" smtClean="0"/>
-              <a:t>mai</a:t>
-            </a:r>
-            <a:r>
-              <a:rPr lang="en-US" dirty="0" smtClean="0"/>
-              <a:t> </a:t>
-            </a:r>
-            <a:r>
-              <a:rPr lang="en-US" dirty="0" err="1" smtClean="0"/>
-              <a:t>tre</a:t>
-            </a:r>
-            <a:r>
-              <a:rPr lang="en-US" dirty="0" smtClean="0"/>
-              <a:t> </a:t>
-            </a:r>
-            <a:r>
-              <a:rPr lang="en-US" dirty="0" err="1" smtClean="0"/>
-              <a:t>sa</a:t>
-            </a:r>
-            <a:r>
-              <a:rPr lang="en-US" dirty="0" smtClean="0"/>
-              <a:t> </a:t>
-            </a:r>
-            <a:r>
-              <a:rPr lang="en-US" dirty="0" err="1" smtClean="0"/>
-              <a:t>punem</a:t>
-            </a:r>
-            <a:endParaRPr lang="en-US" dirty="0"/>
-          </a:p>
-        </p:txBody>
-      </p:sp>
-      <p:sp>
-        <p:nvSpPr>
-          <p:cNvPr id="3" name="Content Placeholder 2"/>
-          <p:cNvSpPr>
-            <a:spLocks noGrp="1"/>
-          </p:cNvSpPr>
-          <p:nvPr>
-            <p:ph idx="1"/>
-          </p:nvPr>
-        </p:nvSpPr>
-        <p:spPr/>
-        <p:txBody>
-          <a:bodyPr/>
-          <a:lstStyle/>
-          <a:p>
-            <a:r>
-              <a:rPr lang="en-US" dirty="0" smtClean="0"/>
-              <a:t>3.</a:t>
-            </a:r>
-            <a:endParaRPr lang="en-US" dirty="0"/>
-          </a:p>
-          <a:p>
-            <a:r>
-              <a:rPr lang="en-US" dirty="0" err="1" smtClean="0"/>
-              <a:t>B.Make</a:t>
-            </a:r>
-            <a:r>
-              <a:rPr lang="en-US" dirty="0" smtClean="0"/>
-              <a:t> </a:t>
-            </a:r>
-            <a:r>
-              <a:rPr lang="en-US" dirty="0"/>
-              <a:t>suggestions for test </a:t>
-            </a:r>
-            <a:r>
-              <a:rPr lang="en-US" dirty="0" smtClean="0"/>
-              <a:t>scenarios </a:t>
-            </a:r>
-            <a:r>
-              <a:rPr lang="en-US" dirty="0"/>
-              <a:t>from the use case </a:t>
-            </a:r>
-            <a:r>
-              <a:rPr lang="en-US" dirty="0" smtClean="0"/>
-              <a:t>consider </a:t>
-            </a:r>
-            <a:r>
-              <a:rPr lang="en-US" dirty="0"/>
-              <a:t>alternative </a:t>
-            </a:r>
-            <a:r>
-              <a:rPr lang="en-US" dirty="0" smtClean="0"/>
-              <a:t>flows.</a:t>
-            </a:r>
-            <a:endParaRPr lang="en-US" dirty="0"/>
-          </a:p>
-          <a:p>
-            <a:r>
-              <a:rPr lang="en-US" dirty="0" err="1" smtClean="0"/>
-              <a:t>c.Make</a:t>
-            </a:r>
-            <a:r>
-              <a:rPr lang="en-US" dirty="0" smtClean="0"/>
-              <a:t> </a:t>
-            </a:r>
-            <a:r>
-              <a:rPr lang="en-US" dirty="0"/>
-              <a:t>suggestions for test cases; one test case for each test </a:t>
-            </a:r>
-            <a:r>
-              <a:rPr lang="en-US" dirty="0" smtClean="0"/>
-              <a:t>scenario</a:t>
-            </a:r>
-          </a:p>
-          <a:p>
-            <a:r>
-              <a:rPr lang="en-US" dirty="0" smtClean="0"/>
-              <a:t>4.</a:t>
-            </a:r>
-          </a:p>
-          <a:p>
-            <a:r>
-              <a:rPr lang="en-US" dirty="0" smtClean="0"/>
-              <a:t>a. Define </a:t>
-            </a:r>
-            <a:r>
-              <a:rPr lang="en-US" dirty="0"/>
-              <a:t>equivalence classes for amount </a:t>
-            </a:r>
-            <a:r>
-              <a:rPr lang="en-US" dirty="0" smtClean="0"/>
-              <a:t>and </a:t>
-            </a:r>
-            <a:r>
-              <a:rPr lang="en-US" dirty="0" err="1" smtClean="0"/>
-              <a:t>amountInStock</a:t>
-            </a:r>
-            <a:endParaRPr lang="en-US" dirty="0"/>
-          </a:p>
-          <a:p>
-            <a:r>
-              <a:rPr lang="en-US" dirty="0" err="1" smtClean="0"/>
-              <a:t>b.Make</a:t>
-            </a:r>
-            <a:r>
-              <a:rPr lang="en-US" dirty="0" smtClean="0"/>
-              <a:t> </a:t>
-            </a:r>
-            <a:r>
-              <a:rPr lang="en-US" dirty="0"/>
-              <a:t>test cases which cover the equivalence classes while using boundary values. </a:t>
-            </a:r>
-          </a:p>
-        </p:txBody>
-      </p:sp>
-    </p:spTree>
-    <p:extLst>
-      <p:ext uri="{BB962C8B-B14F-4D97-AF65-F5344CB8AC3E}">
-        <p14:creationId xmlns:p14="http://schemas.microsoft.com/office/powerpoint/2010/main" val="3587394076"/>
       </p:ext>
     </p:extLst>
   </p:cSld>
